--- a/documentation/O-Cloud.pptx
+++ b/documentation/O-Cloud.pptx
@@ -14867,8 +14867,17 @@
         <p:blipFill>
           <a:blip r:embed="rId2">
             <a:extLst>
+              <a:ext uri="{BEBA8EAE-BF5A-486C-A8C5-ECC9F3942E4B}">
+                <a14:imgProps xmlns:a14="http://schemas.microsoft.com/office/drawing/2010/main">
+                  <a14:imgLayer r:embed="rId3">
+                    <a14:imgEffect>
+                      <a14:saturation sat="200000"/>
+                    </a14:imgEffect>
+                  </a14:imgLayer>
+                </a14:imgProps>
+              </a:ext>
               <a:ext uri="{837473B0-CC2E-450A-ABE3-18F120FF3D39}">
-                <a1611:picAttrSrcUrl xmlns:a1611="http://schemas.microsoft.com/office/drawing/2016/11/main" r:id="rId3"/>
+                <a1611:picAttrSrcUrl xmlns:a1611="http://schemas.microsoft.com/office/drawing/2016/11/main" r:id="rId4"/>
               </a:ext>
             </a:extLst>
           </a:blip>
@@ -17095,6 +17104,14 @@
 </file>
 
 <file path=customXml/item1.xml><?xml version="1.0" encoding="utf-8"?>
+<p:properties xmlns:p="http://schemas.microsoft.com/office/2006/metadata/properties" xmlns:xsi="http://www.w3.org/2001/XMLSchema-instance" xmlns:pc="http://schemas.microsoft.com/office/infopath/2007/PartnerControls">
+  <documentManagement>
+    <MediaServiceKeyPoints xmlns="71af3243-3dd4-4a8d-8c0d-dd76da1f02a5" xsi:nil="true"/>
+  </documentManagement>
+</p:properties>
+</file>
+
+<file path=customXml/item2.xml><?xml version="1.0" encoding="utf-8"?>
 <ct:contentTypeSchema xmlns:ct="http://schemas.microsoft.com/office/2006/metadata/contentType" xmlns:ma="http://schemas.microsoft.com/office/2006/metadata/properties/metaAttributes" ct:_="" ma:_="" ma:contentTypeName="Document" ma:contentTypeID="0x01010079F111ED35F8CC479449609E8A0923A6" ma:contentTypeVersion="11" ma:contentTypeDescription="Create a new document." ma:contentTypeScope="" ma:versionID="9677210f24a1be23c92c90fd886aa0aa">
   <xsd:schema xmlns:xsd="http://www.w3.org/2001/XMLSchema" xmlns:xs="http://www.w3.org/2001/XMLSchema" xmlns:p="http://schemas.microsoft.com/office/2006/metadata/properties" xmlns:ns2="71af3243-3dd4-4a8d-8c0d-dd76da1f02a5" xmlns:ns3="16c05727-aa75-4e4a-9b5f-8a80a1165891" targetNamespace="http://schemas.microsoft.com/office/2006/metadata/properties" ma:root="true" ma:fieldsID="60e05723c5c1908df1a1a4ebf11d344e" ns2:_="" ns3:_="">
     <xsd:import namespace="71af3243-3dd4-4a8d-8c0d-dd76da1f02a5"/>
@@ -17305,14 +17322,6 @@
 </ct:contentTypeSchema>
 </file>
 
-<file path=customXml/item2.xml><?xml version="1.0" encoding="utf-8"?>
-<p:properties xmlns:p="http://schemas.microsoft.com/office/2006/metadata/properties" xmlns:xsi="http://www.w3.org/2001/XMLSchema-instance" xmlns:pc="http://schemas.microsoft.com/office/infopath/2007/PartnerControls">
-  <documentManagement>
-    <MediaServiceKeyPoints xmlns="71af3243-3dd4-4a8d-8c0d-dd76da1f02a5" xsi:nil="true"/>
-  </documentManagement>
-</p:properties>
-</file>
-
 <file path=customXml/item3.xml><?xml version="1.0" encoding="utf-8"?>
 <?mso-contentType ?>
 <FormTemplates xmlns="http://schemas.microsoft.com/sharepoint/v3/contenttype/forms">
@@ -17323,6 +17332,16 @@
 </file>
 
 <file path=customXml/itemProps1.xml><?xml version="1.0" encoding="utf-8"?>
+<ds:datastoreItem xmlns:ds="http://schemas.openxmlformats.org/officeDocument/2006/customXml" ds:itemID="{330CE401-796E-4493-905E-4DDA5AF62AB4}">
+  <ds:schemaRefs>
+    <ds:schemaRef ds:uri="http://schemas.microsoft.com/office/2006/metadata/properties"/>
+    <ds:schemaRef ds:uri="http://schemas.microsoft.com/office/infopath/2007/PartnerControls"/>
+    <ds:schemaRef ds:uri="71af3243-3dd4-4a8d-8c0d-dd76da1f02a5"/>
+  </ds:schemaRefs>
+</ds:datastoreItem>
+</file>
+
+<file path=customXml/itemProps2.xml><?xml version="1.0" encoding="utf-8"?>
 <ds:datastoreItem xmlns:ds="http://schemas.openxmlformats.org/officeDocument/2006/customXml" ds:itemID="{F2949B46-24C4-420B-AB49-DDC88FEB99BF}">
   <ds:schemaRefs>
     <ds:schemaRef ds:uri="http://schemas.microsoft.com/office/2006/metadata/contentType"/>
@@ -17341,16 +17360,6 @@
 </ds:datastoreItem>
 </file>
 
-<file path=customXml/itemProps2.xml><?xml version="1.0" encoding="utf-8"?>
-<ds:datastoreItem xmlns:ds="http://schemas.openxmlformats.org/officeDocument/2006/customXml" ds:itemID="{330CE401-796E-4493-905E-4DDA5AF62AB4}">
-  <ds:schemaRefs>
-    <ds:schemaRef ds:uri="http://schemas.microsoft.com/office/2006/metadata/properties"/>
-    <ds:schemaRef ds:uri="http://schemas.microsoft.com/office/infopath/2007/PartnerControls"/>
-    <ds:schemaRef ds:uri="71af3243-3dd4-4a8d-8c0d-dd76da1f02a5"/>
-  </ds:schemaRefs>
-</ds:datastoreItem>
-</file>
-
 <file path=customXml/itemProps3.xml><?xml version="1.0" encoding="utf-8"?>
 <ds:datastoreItem xmlns:ds="http://schemas.openxmlformats.org/officeDocument/2006/customXml" ds:itemID="{0D46D58D-B27D-4B23-AEA1-AE974AB62218}">
   <ds:schemaRefs>
